--- a/archive/2022年度　統計学関連/04_ch4_確率分布/統計学_ch4_1.pptx
+++ b/archive/2022年度　統計学関連/04_ch4_確率分布/統計学_ch4_1.pptx
@@ -1704,14 +1704,14 @@
     <dgm:cxn modelId="{7B397137-B235-46EC-83D1-4BE7A41D5417}" type="presOf" srcId="{D987ABE9-1545-4C5F-9C29-D9AF2B59C18E}" destId="{DF7DF955-E310-4BE0-BB3F-CD271E763738}" srcOrd="1" destOrd="0" presId="urn:microsoft.com/office/officeart/2005/8/layout/hierarchy2"/>
     <dgm:cxn modelId="{F7CF333E-66DA-4BE2-993B-878C45C04011}" type="presOf" srcId="{86451E5C-B54F-479A-963E-4DDA503CFE5F}" destId="{F9A4C026-272B-4699-85F4-EB755ED5FC50}" srcOrd="1" destOrd="0" presId="urn:microsoft.com/office/officeart/2005/8/layout/hierarchy2"/>
     <dgm:cxn modelId="{2714563F-30A5-4A92-8C15-C323261654B4}" type="presOf" srcId="{F7A0472B-FCCF-4080-8A81-56255204DB6A}" destId="{727AFEAD-8B91-4A20-8951-7BA6F81E9643}" srcOrd="0" destOrd="0" presId="urn:microsoft.com/office/officeart/2005/8/layout/hierarchy2"/>
-    <dgm:cxn modelId="{38C1085C-9CD2-445A-A47C-E65B6C551283}" srcId="{BEEAC226-91B3-442E-B541-3A7EFE3048C8}" destId="{881E4C5B-DAB8-40FD-987D-14F4257F1120}" srcOrd="0" destOrd="0" parTransId="{7B68CB49-317A-4169-BFB2-85152532EB67}" sibTransId="{41378B74-5DBE-4354-950F-89731C276F72}"/>
     <dgm:cxn modelId="{B2311B45-4C86-477C-8238-26C15EA2A9E6}" type="presOf" srcId="{9119DADC-12B8-4A4C-8531-F4FB15D50C27}" destId="{D786C0EE-4E25-4C1D-87DC-52AF6BE40573}" srcOrd="1" destOrd="0" presId="urn:microsoft.com/office/officeart/2005/8/layout/hierarchy2"/>
-    <dgm:cxn modelId="{AD576467-6A65-44CD-BAEF-B7F85CE4AF86}" type="presOf" srcId="{446EF41B-E452-4BC5-B3A3-2ABEC1309516}" destId="{513F1D50-8138-4623-ABBD-CDED4F061965}" srcOrd="1" destOrd="0" presId="urn:microsoft.com/office/officeart/2005/8/layout/hierarchy2"/>
     <dgm:cxn modelId="{E8186C47-7BE1-469E-BD2A-85B5C568F4D2}" srcId="{23D94C6B-5E94-4AB7-8859-B80748DDC385}" destId="{BEEAC226-91B3-442E-B541-3A7EFE3048C8}" srcOrd="2" destOrd="0" parTransId="{86451E5C-B54F-479A-963E-4DDA503CFE5F}" sibTransId="{783A6594-FF8C-4ED4-8F25-C0BCD2A74D3F}"/>
-    <dgm:cxn modelId="{A3EF936D-F3EB-4898-A6F4-4E481A2212F6}" type="presOf" srcId="{95FFE2F0-126C-489E-AB6C-3E1604DCC3A4}" destId="{7F881C48-36A2-498D-8FCC-1BFC2AAA3C6C}" srcOrd="0" destOrd="0" presId="urn:microsoft.com/office/officeart/2005/8/layout/hierarchy2"/>
     <dgm:cxn modelId="{E6398552-9E9F-4CAD-9C43-5C4B2AD51484}" type="presOf" srcId="{A91AF7F9-029D-41D5-8E46-0B80B6D6CB4C}" destId="{CB461055-1B6D-408D-A3C5-9AD4C06836B6}" srcOrd="0" destOrd="0" presId="urn:microsoft.com/office/officeart/2005/8/layout/hierarchy2"/>
     <dgm:cxn modelId="{B8A76F56-1CDD-4D43-A7A4-3466825AB70A}" srcId="{BEEAC226-91B3-442E-B541-3A7EFE3048C8}" destId="{02CC537C-7A03-4489-9FAD-1FCA78E25740}" srcOrd="2" destOrd="0" parTransId="{C853CFA2-797E-4F44-A9B1-7D2A308C0440}" sibTransId="{79AB518C-AF11-4B82-867F-BFC656EDCB04}"/>
     <dgm:cxn modelId="{39D19C57-DE88-4B37-8B4E-2AA784BC5DD5}" type="presOf" srcId="{7B68CB49-317A-4169-BFB2-85152532EB67}" destId="{4333D704-3C08-479E-8F53-00F8D8508BBF}" srcOrd="0" destOrd="0" presId="urn:microsoft.com/office/officeart/2005/8/layout/hierarchy2"/>
+    <dgm:cxn modelId="{38C1085C-9CD2-445A-A47C-E65B6C551283}" srcId="{BEEAC226-91B3-442E-B541-3A7EFE3048C8}" destId="{881E4C5B-DAB8-40FD-987D-14F4257F1120}" srcOrd="0" destOrd="0" parTransId="{7B68CB49-317A-4169-BFB2-85152532EB67}" sibTransId="{41378B74-5DBE-4354-950F-89731C276F72}"/>
+    <dgm:cxn modelId="{AD576467-6A65-44CD-BAEF-B7F85CE4AF86}" type="presOf" srcId="{446EF41B-E452-4BC5-B3A3-2ABEC1309516}" destId="{513F1D50-8138-4623-ABBD-CDED4F061965}" srcOrd="1" destOrd="0" presId="urn:microsoft.com/office/officeart/2005/8/layout/hierarchy2"/>
+    <dgm:cxn modelId="{A3EF936D-F3EB-4898-A6F4-4E481A2212F6}" type="presOf" srcId="{95FFE2F0-126C-489E-AB6C-3E1604DCC3A4}" destId="{7F881C48-36A2-498D-8FCC-1BFC2AAA3C6C}" srcOrd="0" destOrd="0" presId="urn:microsoft.com/office/officeart/2005/8/layout/hierarchy2"/>
     <dgm:cxn modelId="{0C3C167F-6F30-4B21-821D-BEEC5EE1B0A0}" type="presOf" srcId="{7B68CB49-317A-4169-BFB2-85152532EB67}" destId="{909B6A66-84DE-4AD1-8225-3C09B6A5AF77}" srcOrd="1" destOrd="0" presId="urn:microsoft.com/office/officeart/2005/8/layout/hierarchy2"/>
     <dgm:cxn modelId="{0DDB1480-963D-4F5E-93EC-B8F50974287E}" srcId="{23D94C6B-5E94-4AB7-8859-B80748DDC385}" destId="{2A282735-C1D1-4E33-B7CE-EAE947205E58}" srcOrd="1" destOrd="0" parTransId="{9119DADC-12B8-4A4C-8531-F4FB15D50C27}" sibTransId="{439CB29C-452B-4A56-8BBE-A5C6A03237D1}"/>
     <dgm:cxn modelId="{38FEA796-2A54-43BD-95EE-AA9C66DD97ED}" type="presOf" srcId="{881E4C5B-DAB8-40FD-987D-14F4257F1120}" destId="{8B7A992F-7B23-446F-9134-985BF12F85C1}" srcOrd="0" destOrd="0" presId="urn:microsoft.com/office/officeart/2005/8/layout/hierarchy2"/>
@@ -1802,8 +1802,8 @@
       </dsp:nvSpPr>
       <dsp:spPr>
         <a:xfrm>
-          <a:off x="3107" y="2405872"/>
-          <a:ext cx="1757266" cy="878633"/>
+          <a:off x="2374" y="2184854"/>
+          <a:ext cx="1626092" cy="813046"/>
         </a:xfrm>
         <a:prstGeom prst="roundRect">
           <a:avLst>
@@ -1847,12 +1847,12 @@
         </a:fontRef>
       </dsp:style>
       <dsp:txBody>
-        <a:bodyPr spcFirstLastPara="0" vert="horz" wrap="square" lIns="16510" tIns="16510" rIns="16510" bIns="16510" numCol="1" spcCol="1270" anchor="ctr" anchorCtr="0">
+        <a:bodyPr spcFirstLastPara="0" vert="horz" wrap="square" lIns="15240" tIns="15240" rIns="15240" bIns="15240" numCol="1" spcCol="1270" anchor="ctr" anchorCtr="0">
           <a:noAutofit/>
         </a:bodyPr>
         <a:lstStyle/>
         <a:p>
-          <a:pPr marL="0" lvl="0" indent="0" algn="ctr" defTabSz="1155700">
+          <a:pPr marL="0" lvl="0" indent="0" algn="ctr" defTabSz="1066800">
             <a:lnSpc>
               <a:spcPct val="90000"/>
             </a:lnSpc>
@@ -1865,14 +1865,14 @@
             <a:buNone/>
           </a:pPr>
           <a:r>
-            <a:rPr kumimoji="1" lang="ja-JP" altLang="en-US" sz="2600" kern="1200" dirty="0"/>
+            <a:rPr kumimoji="1" lang="ja-JP" altLang="en-US" sz="2400" kern="1200" dirty="0"/>
             <a:t>確率分布</a:t>
           </a:r>
         </a:p>
       </dsp:txBody>
       <dsp:txXfrm>
-        <a:off x="28841" y="2431606"/>
-        <a:ext cx="1705798" cy="827165"/>
+        <a:off x="26187" y="2208667"/>
+        <a:ext cx="1578466" cy="765420"/>
       </dsp:txXfrm>
     </dsp:sp>
     <dsp:sp modelId="{727AFEAD-8B91-4A20-8951-7BA6F81E9643}">
@@ -1882,8 +1882,8 @@
       </dsp:nvSpPr>
       <dsp:spPr>
         <a:xfrm rot="18289469">
-          <a:off x="1496391" y="2323078"/>
-          <a:ext cx="1230870" cy="33793"/>
+          <a:off x="1384190" y="2106649"/>
+          <a:ext cx="1138990" cy="34453"/>
         </a:xfrm>
         <a:custGeom>
           <a:avLst/>
@@ -1894,10 +1894,10 @@
           <a:pathLst>
             <a:path>
               <a:moveTo>
-                <a:pt x="0" y="16896"/>
+                <a:pt x="0" y="17226"/>
               </a:moveTo>
               <a:lnTo>
-                <a:pt x="1230870" y="16896"/>
+                <a:pt x="1138990" y="17226"/>
               </a:lnTo>
             </a:path>
           </a:pathLst>
@@ -1951,8 +1951,8 @@
         </a:p>
       </dsp:txBody>
       <dsp:txXfrm>
-        <a:off x="2081055" y="2309203"/>
-        <a:ext cx="61543" cy="61543"/>
+        <a:off x="1925211" y="2095401"/>
+        <a:ext cx="56949" cy="56949"/>
       </dsp:txXfrm>
     </dsp:sp>
     <dsp:sp modelId="{8C0627BC-6633-473A-A5D9-B2DD87E47B0A}">
@@ -1962,8 +1962,8 @@
       </dsp:nvSpPr>
       <dsp:spPr>
         <a:xfrm>
-          <a:off x="2463280" y="1395444"/>
-          <a:ext cx="1757266" cy="878633"/>
+          <a:off x="2278904" y="1249851"/>
+          <a:ext cx="1626092" cy="813046"/>
         </a:xfrm>
         <a:prstGeom prst="roundRect">
           <a:avLst>
@@ -2007,12 +2007,12 @@
         </a:fontRef>
       </dsp:style>
       <dsp:txBody>
-        <a:bodyPr spcFirstLastPara="0" vert="horz" wrap="square" lIns="16510" tIns="16510" rIns="16510" bIns="16510" numCol="1" spcCol="1270" anchor="ctr" anchorCtr="0">
+        <a:bodyPr spcFirstLastPara="0" vert="horz" wrap="square" lIns="15240" tIns="15240" rIns="15240" bIns="15240" numCol="1" spcCol="1270" anchor="ctr" anchorCtr="0">
           <a:noAutofit/>
         </a:bodyPr>
         <a:lstStyle/>
         <a:p>
-          <a:pPr marL="0" lvl="0" indent="0" algn="ctr" defTabSz="1155700">
+          <a:pPr marL="0" lvl="0" indent="0" algn="ctr" defTabSz="1066800">
             <a:lnSpc>
               <a:spcPct val="90000"/>
             </a:lnSpc>
@@ -2025,21 +2025,21 @@
             <a:buNone/>
           </a:pPr>
           <a:r>
-            <a:rPr kumimoji="1" lang="ja-JP" altLang="en-US" sz="2600" kern="1200" dirty="0"/>
+            <a:rPr kumimoji="1" lang="ja-JP" altLang="en-US" sz="2400" kern="1200" dirty="0"/>
             <a:t>離散</a:t>
           </a:r>
           <a:br>
-            <a:rPr kumimoji="1" lang="en-US" altLang="ja-JP" sz="2600" kern="1200" dirty="0"/>
+            <a:rPr kumimoji="1" lang="en-US" altLang="ja-JP" sz="2400" kern="1200" dirty="0"/>
           </a:br>
           <a:r>
-            <a:rPr kumimoji="1" lang="ja-JP" altLang="en-US" sz="2600" kern="1200" dirty="0"/>
+            <a:rPr kumimoji="1" lang="ja-JP" altLang="en-US" sz="2400" kern="1200" dirty="0"/>
             <a:t>確率分布</a:t>
           </a:r>
         </a:p>
       </dsp:txBody>
       <dsp:txXfrm>
-        <a:off x="2489014" y="1421178"/>
-        <a:ext cx="1705798" cy="827165"/>
+        <a:off x="2302717" y="1273664"/>
+        <a:ext cx="1578466" cy="765420"/>
       </dsp:txXfrm>
     </dsp:sp>
     <dsp:sp modelId="{902B7D90-7010-4A54-AA3D-89F76C4C430A}">
@@ -2049,8 +2049,8 @@
       </dsp:nvSpPr>
       <dsp:spPr>
         <a:xfrm rot="18289469">
-          <a:off x="3956564" y="1312649"/>
-          <a:ext cx="1230870" cy="33793"/>
+          <a:off x="3660720" y="1171646"/>
+          <a:ext cx="1138990" cy="34453"/>
         </a:xfrm>
         <a:custGeom>
           <a:avLst/>
@@ -2061,10 +2061,10 @@
           <a:pathLst>
             <a:path>
               <a:moveTo>
-                <a:pt x="0" y="16896"/>
+                <a:pt x="0" y="17226"/>
               </a:moveTo>
               <a:lnTo>
-                <a:pt x="1230870" y="16896"/>
+                <a:pt x="1138990" y="17226"/>
               </a:lnTo>
             </a:path>
           </a:pathLst>
@@ -2118,8 +2118,8 @@
         </a:p>
       </dsp:txBody>
       <dsp:txXfrm>
-        <a:off x="4541228" y="1298775"/>
-        <a:ext cx="61543" cy="61543"/>
+        <a:off x="4201741" y="1160398"/>
+        <a:ext cx="56949" cy="56949"/>
       </dsp:txXfrm>
     </dsp:sp>
     <dsp:sp modelId="{8EF8BF36-B031-4DF4-817E-13ABEC79F13F}">
@@ -2129,8 +2129,8 @@
       </dsp:nvSpPr>
       <dsp:spPr>
         <a:xfrm>
-          <a:off x="4923453" y="385016"/>
-          <a:ext cx="1757266" cy="878633"/>
+          <a:off x="4555434" y="314848"/>
+          <a:ext cx="1626092" cy="813046"/>
         </a:xfrm>
         <a:prstGeom prst="roundRect">
           <a:avLst>
@@ -2174,12 +2174,12 @@
         </a:fontRef>
       </dsp:style>
       <dsp:txBody>
-        <a:bodyPr spcFirstLastPara="0" vert="horz" wrap="square" lIns="16510" tIns="16510" rIns="16510" bIns="16510" numCol="1" spcCol="1270" anchor="ctr" anchorCtr="0">
+        <a:bodyPr spcFirstLastPara="0" vert="horz" wrap="square" lIns="15240" tIns="15240" rIns="15240" bIns="15240" numCol="1" spcCol="1270" anchor="ctr" anchorCtr="0">
           <a:noAutofit/>
         </a:bodyPr>
         <a:lstStyle/>
         <a:p>
-          <a:pPr marL="0" lvl="0" indent="0" algn="ctr" defTabSz="1155700">
+          <a:pPr marL="0" lvl="0" indent="0" algn="ctr" defTabSz="1066800">
             <a:lnSpc>
               <a:spcPct val="90000"/>
             </a:lnSpc>
@@ -2192,21 +2192,21 @@
             <a:buNone/>
           </a:pPr>
           <a:r>
-            <a:rPr kumimoji="1" lang="ja-JP" altLang="en-US" sz="2600" kern="1200" dirty="0"/>
+            <a:rPr kumimoji="1" lang="ja-JP" altLang="en-US" sz="2400" kern="1200" dirty="0"/>
             <a:t>ベルヌーイ</a:t>
           </a:r>
           <a:br>
-            <a:rPr kumimoji="1" lang="en-US" altLang="ja-JP" sz="2600" kern="1200" dirty="0"/>
+            <a:rPr kumimoji="1" lang="en-US" altLang="ja-JP" sz="2400" kern="1200" dirty="0"/>
           </a:br>
           <a:r>
-            <a:rPr kumimoji="1" lang="ja-JP" altLang="en-US" sz="2600" kern="1200" dirty="0"/>
+            <a:rPr kumimoji="1" lang="ja-JP" altLang="en-US" sz="2400" kern="1200" dirty="0"/>
             <a:t>分布</a:t>
           </a:r>
         </a:p>
       </dsp:txBody>
       <dsp:txXfrm>
-        <a:off x="4949187" y="410750"/>
-        <a:ext cx="1705798" cy="827165"/>
+        <a:off x="4579247" y="338661"/>
+        <a:ext cx="1578466" cy="765420"/>
       </dsp:txXfrm>
     </dsp:sp>
     <dsp:sp modelId="{744A07EA-D100-42B5-A283-B701B6A38D6E}">
@@ -2216,8 +2216,8 @@
       </dsp:nvSpPr>
       <dsp:spPr>
         <a:xfrm>
-          <a:off x="4220546" y="1817863"/>
-          <a:ext cx="702906" cy="33793"/>
+          <a:off x="3904997" y="1639148"/>
+          <a:ext cx="650437" cy="34453"/>
         </a:xfrm>
         <a:custGeom>
           <a:avLst/>
@@ -2228,10 +2228,10 @@
           <a:pathLst>
             <a:path>
               <a:moveTo>
-                <a:pt x="0" y="16896"/>
+                <a:pt x="0" y="17226"/>
               </a:moveTo>
               <a:lnTo>
-                <a:pt x="702906" y="16896"/>
+                <a:pt x="650437" y="17226"/>
               </a:lnTo>
             </a:path>
           </a:pathLst>
@@ -2285,8 +2285,8 @@
         </a:p>
       </dsp:txBody>
       <dsp:txXfrm>
-        <a:off x="4554427" y="1817188"/>
-        <a:ext cx="35145" cy="35145"/>
+        <a:off x="4213955" y="1640113"/>
+        <a:ext cx="32521" cy="32521"/>
       </dsp:txXfrm>
     </dsp:sp>
     <dsp:sp modelId="{83B84BFD-D0AE-41A4-B50A-A6D23BF88EBA}">
@@ -2296,8 +2296,8 @@
       </dsp:nvSpPr>
       <dsp:spPr>
         <a:xfrm>
-          <a:off x="4923453" y="1395444"/>
-          <a:ext cx="1757266" cy="878633"/>
+          <a:off x="4555434" y="1249851"/>
+          <a:ext cx="1626092" cy="813046"/>
         </a:xfrm>
         <a:prstGeom prst="roundRect">
           <a:avLst>
@@ -2341,12 +2341,12 @@
         </a:fontRef>
       </dsp:style>
       <dsp:txBody>
-        <a:bodyPr spcFirstLastPara="0" vert="horz" wrap="square" lIns="16510" tIns="16510" rIns="16510" bIns="16510" numCol="1" spcCol="1270" anchor="ctr" anchorCtr="0">
+        <a:bodyPr spcFirstLastPara="0" vert="horz" wrap="square" lIns="15240" tIns="15240" rIns="15240" bIns="15240" numCol="1" spcCol="1270" anchor="ctr" anchorCtr="0">
           <a:noAutofit/>
         </a:bodyPr>
         <a:lstStyle/>
         <a:p>
-          <a:pPr marL="0" lvl="0" indent="0" algn="ctr" defTabSz="1155700">
+          <a:pPr marL="0" lvl="0" indent="0" algn="ctr" defTabSz="1066800">
             <a:lnSpc>
               <a:spcPct val="90000"/>
             </a:lnSpc>
@@ -2359,14 +2359,14 @@
             <a:buNone/>
           </a:pPr>
           <a:r>
-            <a:rPr kumimoji="1" lang="ja-JP" altLang="en-US" sz="2600" kern="1200" dirty="0"/>
+            <a:rPr kumimoji="1" lang="ja-JP" altLang="en-US" sz="2400" kern="1200" dirty="0"/>
             <a:t>二項分布</a:t>
           </a:r>
         </a:p>
       </dsp:txBody>
       <dsp:txXfrm>
-        <a:off x="4949187" y="1421178"/>
-        <a:ext cx="1705798" cy="827165"/>
+        <a:off x="4579247" y="1273664"/>
+        <a:ext cx="1578466" cy="765420"/>
       </dsp:txXfrm>
     </dsp:sp>
     <dsp:sp modelId="{D78C7D8D-BA7B-4673-A580-38A7F1E102A3}">
@@ -2376,8 +2376,8 @@
       </dsp:nvSpPr>
       <dsp:spPr>
         <a:xfrm rot="3310531">
-          <a:off x="3956564" y="2323078"/>
-          <a:ext cx="1230870" cy="33793"/>
+          <a:off x="3660720" y="2106649"/>
+          <a:ext cx="1138990" cy="34453"/>
         </a:xfrm>
         <a:custGeom>
           <a:avLst/>
@@ -2388,10 +2388,10 @@
           <a:pathLst>
             <a:path>
               <a:moveTo>
-                <a:pt x="0" y="16896"/>
+                <a:pt x="0" y="17226"/>
               </a:moveTo>
               <a:lnTo>
-                <a:pt x="1230870" y="16896"/>
+                <a:pt x="1138990" y="17226"/>
               </a:lnTo>
             </a:path>
           </a:pathLst>
@@ -2445,8 +2445,8 @@
         </a:p>
       </dsp:txBody>
       <dsp:txXfrm>
-        <a:off x="4541228" y="2309203"/>
-        <a:ext cx="61543" cy="61543"/>
+        <a:off x="4201741" y="2095401"/>
+        <a:ext cx="56949" cy="56949"/>
       </dsp:txXfrm>
     </dsp:sp>
     <dsp:sp modelId="{AD1B67F2-8817-405D-9391-D9DC7068764B}">
@@ -2456,8 +2456,8 @@
       </dsp:nvSpPr>
       <dsp:spPr>
         <a:xfrm>
-          <a:off x="4923453" y="2405872"/>
-          <a:ext cx="1757266" cy="878633"/>
+          <a:off x="4555434" y="2184854"/>
+          <a:ext cx="1626092" cy="813046"/>
         </a:xfrm>
         <a:prstGeom prst="roundRect">
           <a:avLst>
@@ -2501,12 +2501,12 @@
         </a:fontRef>
       </dsp:style>
       <dsp:txBody>
-        <a:bodyPr spcFirstLastPara="0" vert="horz" wrap="square" lIns="16510" tIns="16510" rIns="16510" bIns="16510" numCol="1" spcCol="1270" anchor="ctr" anchorCtr="0">
+        <a:bodyPr spcFirstLastPara="0" vert="horz" wrap="square" lIns="15240" tIns="15240" rIns="15240" bIns="15240" numCol="1" spcCol="1270" anchor="ctr" anchorCtr="0">
           <a:noAutofit/>
         </a:bodyPr>
         <a:lstStyle/>
         <a:p>
-          <a:pPr marL="0" lvl="0" indent="0" algn="ctr" defTabSz="1155700">
+          <a:pPr marL="0" lvl="0" indent="0" algn="ctr" defTabSz="1066800">
             <a:lnSpc>
               <a:spcPct val="90000"/>
             </a:lnSpc>
@@ -2519,14 +2519,14 @@
             <a:buNone/>
           </a:pPr>
           <a:r>
-            <a:rPr kumimoji="1" lang="ja-JP" altLang="en-US" sz="2600" kern="1200" dirty="0"/>
+            <a:rPr kumimoji="1" lang="ja-JP" altLang="en-US" sz="2400" kern="1200" dirty="0"/>
             <a:t>その他</a:t>
           </a:r>
         </a:p>
       </dsp:txBody>
       <dsp:txXfrm>
-        <a:off x="4949187" y="2431606"/>
-        <a:ext cx="1705798" cy="827165"/>
+        <a:off x="4579247" y="2208667"/>
+        <a:ext cx="1578466" cy="765420"/>
       </dsp:txXfrm>
     </dsp:sp>
     <dsp:sp modelId="{4333D704-3C08-479E-8F53-00F8D8508BBF}">
@@ -2536,8 +2536,8 @@
       </dsp:nvSpPr>
       <dsp:spPr>
         <a:xfrm rot="18289469">
-          <a:off x="6416737" y="2323078"/>
-          <a:ext cx="1230870" cy="33793"/>
+          <a:off x="5937250" y="2106649"/>
+          <a:ext cx="1138990" cy="34453"/>
         </a:xfrm>
         <a:custGeom>
           <a:avLst/>
@@ -2548,10 +2548,10 @@
           <a:pathLst>
             <a:path>
               <a:moveTo>
-                <a:pt x="0" y="16896"/>
+                <a:pt x="0" y="17226"/>
               </a:moveTo>
               <a:lnTo>
-                <a:pt x="1230870" y="16896"/>
+                <a:pt x="1138990" y="17226"/>
               </a:lnTo>
             </a:path>
           </a:pathLst>
@@ -2605,8 +2605,8 @@
         </a:p>
       </dsp:txBody>
       <dsp:txXfrm>
-        <a:off x="7001401" y="2309203"/>
-        <a:ext cx="61543" cy="61543"/>
+        <a:off x="6478271" y="2095401"/>
+        <a:ext cx="56949" cy="56949"/>
       </dsp:txXfrm>
     </dsp:sp>
     <dsp:sp modelId="{8B7A992F-7B23-446F-9134-985BF12F85C1}">
@@ -2616,8 +2616,8 @@
       </dsp:nvSpPr>
       <dsp:spPr>
         <a:xfrm>
-          <a:off x="7383626" y="1395444"/>
-          <a:ext cx="1757266" cy="878633"/>
+          <a:off x="6831964" y="1249851"/>
+          <a:ext cx="1626092" cy="813046"/>
         </a:xfrm>
         <a:prstGeom prst="roundRect">
           <a:avLst>
@@ -2661,12 +2661,12 @@
         </a:fontRef>
       </dsp:style>
       <dsp:txBody>
-        <a:bodyPr spcFirstLastPara="0" vert="horz" wrap="square" lIns="16510" tIns="16510" rIns="16510" bIns="16510" numCol="1" spcCol="1270" anchor="ctr" anchorCtr="0">
+        <a:bodyPr spcFirstLastPara="0" vert="horz" wrap="square" lIns="15240" tIns="15240" rIns="15240" bIns="15240" numCol="1" spcCol="1270" anchor="ctr" anchorCtr="0">
           <a:noAutofit/>
         </a:bodyPr>
         <a:lstStyle/>
         <a:p>
-          <a:pPr marL="0" lvl="0" indent="0" algn="ctr" defTabSz="1155700">
+          <a:pPr marL="0" lvl="0" indent="0" algn="ctr" defTabSz="1066800">
             <a:lnSpc>
               <a:spcPct val="90000"/>
             </a:lnSpc>
@@ -2679,21 +2679,21 @@
             <a:buNone/>
           </a:pPr>
           <a:r>
-            <a:rPr kumimoji="1" lang="ja-JP" altLang="en-US" sz="2600" kern="1200" dirty="0"/>
+            <a:rPr kumimoji="1" lang="ja-JP" altLang="en-US" sz="2400" kern="1200" dirty="0"/>
             <a:t>ポアソン</a:t>
           </a:r>
           <a:br>
-            <a:rPr kumimoji="1" lang="en-US" altLang="ja-JP" sz="2600" kern="1200" dirty="0"/>
+            <a:rPr kumimoji="1" lang="en-US" altLang="ja-JP" sz="2400" kern="1200" dirty="0"/>
           </a:br>
           <a:r>
-            <a:rPr kumimoji="1" lang="ja-JP" altLang="en-US" sz="2600" kern="1200" dirty="0"/>
+            <a:rPr kumimoji="1" lang="ja-JP" altLang="en-US" sz="2400" kern="1200" dirty="0"/>
             <a:t>分布</a:t>
           </a:r>
         </a:p>
       </dsp:txBody>
       <dsp:txXfrm>
-        <a:off x="7409360" y="1421178"/>
-        <a:ext cx="1705798" cy="827165"/>
+        <a:off x="6855777" y="1273664"/>
+        <a:ext cx="1578466" cy="765420"/>
       </dsp:txXfrm>
     </dsp:sp>
     <dsp:sp modelId="{3A35937D-69B1-43DA-9078-4833AF6FCBCF}">
@@ -2703,8 +2703,8 @@
       </dsp:nvSpPr>
       <dsp:spPr>
         <a:xfrm>
-          <a:off x="6680719" y="2828292"/>
-          <a:ext cx="702906" cy="33793"/>
+          <a:off x="6181527" y="2574151"/>
+          <a:ext cx="650437" cy="34453"/>
         </a:xfrm>
         <a:custGeom>
           <a:avLst/>
@@ -2715,10 +2715,10 @@
           <a:pathLst>
             <a:path>
               <a:moveTo>
-                <a:pt x="0" y="16896"/>
+                <a:pt x="0" y="17226"/>
               </a:moveTo>
               <a:lnTo>
-                <a:pt x="702906" y="16896"/>
+                <a:pt x="650437" y="17226"/>
               </a:lnTo>
             </a:path>
           </a:pathLst>
@@ -2772,8 +2772,8 @@
         </a:p>
       </dsp:txBody>
       <dsp:txXfrm>
-        <a:off x="7014600" y="2827616"/>
-        <a:ext cx="35145" cy="35145"/>
+        <a:off x="6490485" y="2575117"/>
+        <a:ext cx="32521" cy="32521"/>
       </dsp:txXfrm>
     </dsp:sp>
     <dsp:sp modelId="{9A171AA6-2B70-40D3-BDAD-AD59A1DBC686}">
@@ -2783,8 +2783,8 @@
       </dsp:nvSpPr>
       <dsp:spPr>
         <a:xfrm>
-          <a:off x="7383626" y="2405872"/>
-          <a:ext cx="1757266" cy="878633"/>
+          <a:off x="6831964" y="2184854"/>
+          <a:ext cx="1626092" cy="813046"/>
         </a:xfrm>
         <a:prstGeom prst="roundRect">
           <a:avLst>
@@ -2828,12 +2828,12 @@
         </a:fontRef>
       </dsp:style>
       <dsp:txBody>
-        <a:bodyPr spcFirstLastPara="0" vert="horz" wrap="square" lIns="16510" tIns="16510" rIns="16510" bIns="16510" numCol="1" spcCol="1270" anchor="ctr" anchorCtr="0">
+        <a:bodyPr spcFirstLastPara="0" vert="horz" wrap="square" lIns="15240" tIns="15240" rIns="15240" bIns="15240" numCol="1" spcCol="1270" anchor="ctr" anchorCtr="0">
           <a:noAutofit/>
         </a:bodyPr>
         <a:lstStyle/>
         <a:p>
-          <a:pPr marL="0" lvl="0" indent="0" algn="ctr" defTabSz="1155700">
+          <a:pPr marL="0" lvl="0" indent="0" algn="ctr" defTabSz="1066800">
             <a:lnSpc>
               <a:spcPct val="90000"/>
             </a:lnSpc>
@@ -2846,14 +2846,14 @@
             <a:buNone/>
           </a:pPr>
           <a:r>
-            <a:rPr kumimoji="1" lang="ja-JP" altLang="en-US" sz="2600" kern="1200" dirty="0"/>
+            <a:rPr kumimoji="1" lang="ja-JP" altLang="en-US" sz="2400" kern="1200" dirty="0"/>
             <a:t>超幾何分布</a:t>
           </a:r>
         </a:p>
       </dsp:txBody>
       <dsp:txXfrm>
-        <a:off x="7409360" y="2431606"/>
-        <a:ext cx="1705798" cy="827165"/>
+        <a:off x="6855777" y="2208667"/>
+        <a:ext cx="1578466" cy="765420"/>
       </dsp:txXfrm>
     </dsp:sp>
     <dsp:sp modelId="{32D75CA0-13B1-4A83-8D12-4D7F4265C1BF}">
@@ -2863,8 +2863,8 @@
       </dsp:nvSpPr>
       <dsp:spPr>
         <a:xfrm rot="3310531">
-          <a:off x="6416737" y="3333506"/>
-          <a:ext cx="1230870" cy="33793"/>
+          <a:off x="5937250" y="3041653"/>
+          <a:ext cx="1138990" cy="34453"/>
         </a:xfrm>
         <a:custGeom>
           <a:avLst/>
@@ -2875,10 +2875,10 @@
           <a:pathLst>
             <a:path>
               <a:moveTo>
-                <a:pt x="0" y="16896"/>
+                <a:pt x="0" y="17226"/>
               </a:moveTo>
               <a:lnTo>
-                <a:pt x="1230870" y="16896"/>
+                <a:pt x="1138990" y="17226"/>
               </a:lnTo>
             </a:path>
           </a:pathLst>
@@ -2932,8 +2932,8 @@
         </a:p>
       </dsp:txBody>
       <dsp:txXfrm>
-        <a:off x="7001401" y="3319631"/>
-        <a:ext cx="61543" cy="61543"/>
+        <a:off x="6478271" y="3030405"/>
+        <a:ext cx="56949" cy="56949"/>
       </dsp:txXfrm>
     </dsp:sp>
     <dsp:sp modelId="{C08DA6DF-C2F1-46E8-933B-76B7F0E2E039}">
@@ -2943,8 +2943,8 @@
       </dsp:nvSpPr>
       <dsp:spPr>
         <a:xfrm>
-          <a:off x="7383626" y="3416300"/>
-          <a:ext cx="1757266" cy="878633"/>
+          <a:off x="6831964" y="3119858"/>
+          <a:ext cx="1626092" cy="813046"/>
         </a:xfrm>
         <a:prstGeom prst="roundRect">
           <a:avLst>
@@ -2988,12 +2988,12 @@
         </a:fontRef>
       </dsp:style>
       <dsp:txBody>
-        <a:bodyPr spcFirstLastPara="0" vert="horz" wrap="square" lIns="16510" tIns="16510" rIns="16510" bIns="16510" numCol="1" spcCol="1270" anchor="ctr" anchorCtr="0">
+        <a:bodyPr spcFirstLastPara="0" vert="horz" wrap="square" lIns="15240" tIns="15240" rIns="15240" bIns="15240" numCol="1" spcCol="1270" anchor="ctr" anchorCtr="0">
           <a:noAutofit/>
         </a:bodyPr>
         <a:lstStyle/>
         <a:p>
-          <a:pPr marL="0" lvl="0" indent="0" algn="ctr" defTabSz="1155700">
+          <a:pPr marL="0" lvl="0" indent="0" algn="ctr" defTabSz="1066800">
             <a:lnSpc>
               <a:spcPct val="90000"/>
             </a:lnSpc>
@@ -3006,14 +3006,14 @@
             <a:buNone/>
           </a:pPr>
           <a:r>
-            <a:rPr kumimoji="1" lang="ja-JP" altLang="en-US" sz="2600" kern="1200" dirty="0"/>
+            <a:rPr kumimoji="1" lang="ja-JP" altLang="en-US" sz="2400" kern="1200" dirty="0"/>
             <a:t>多項分布</a:t>
           </a:r>
         </a:p>
       </dsp:txBody>
       <dsp:txXfrm>
-        <a:off x="7409360" y="3442034"/>
-        <a:ext cx="1705798" cy="827165"/>
+        <a:off x="6855777" y="3143671"/>
+        <a:ext cx="1578466" cy="765420"/>
       </dsp:txXfrm>
     </dsp:sp>
     <dsp:sp modelId="{CB461055-1B6D-408D-A3C5-9AD4C06836B6}">
@@ -3023,8 +3023,8 @@
       </dsp:nvSpPr>
       <dsp:spPr>
         <a:xfrm rot="3310531">
-          <a:off x="1496391" y="3333506"/>
-          <a:ext cx="1230870" cy="33793"/>
+          <a:off x="1384190" y="3041653"/>
+          <a:ext cx="1138990" cy="34453"/>
         </a:xfrm>
         <a:custGeom>
           <a:avLst/>
@@ -3035,10 +3035,10 @@
           <a:pathLst>
             <a:path>
               <a:moveTo>
-                <a:pt x="0" y="16896"/>
+                <a:pt x="0" y="17226"/>
               </a:moveTo>
               <a:lnTo>
-                <a:pt x="1230870" y="16896"/>
+                <a:pt x="1138990" y="17226"/>
               </a:lnTo>
             </a:path>
           </a:pathLst>
@@ -3092,8 +3092,8 @@
         </a:p>
       </dsp:txBody>
       <dsp:txXfrm>
-        <a:off x="2081055" y="3319631"/>
-        <a:ext cx="61543" cy="61543"/>
+        <a:off x="1925211" y="3030405"/>
+        <a:ext cx="56949" cy="56949"/>
       </dsp:txXfrm>
     </dsp:sp>
     <dsp:sp modelId="{7F881C48-36A2-498D-8FCC-1BFC2AAA3C6C}">
@@ -3103,8 +3103,8 @@
       </dsp:nvSpPr>
       <dsp:spPr>
         <a:xfrm>
-          <a:off x="2463280" y="3416300"/>
-          <a:ext cx="1757266" cy="878633"/>
+          <a:off x="2278904" y="3119858"/>
+          <a:ext cx="1626092" cy="813046"/>
         </a:xfrm>
         <a:prstGeom prst="roundRect">
           <a:avLst>
@@ -3144,12 +3144,12 @@
         </a:fontRef>
       </dsp:style>
       <dsp:txBody>
-        <a:bodyPr spcFirstLastPara="0" vert="horz" wrap="square" lIns="16510" tIns="16510" rIns="16510" bIns="16510" numCol="1" spcCol="1270" anchor="ctr" anchorCtr="0">
+        <a:bodyPr spcFirstLastPara="0" vert="horz" wrap="square" lIns="15240" tIns="15240" rIns="15240" bIns="15240" numCol="1" spcCol="1270" anchor="ctr" anchorCtr="0">
           <a:noAutofit/>
         </a:bodyPr>
         <a:lstStyle/>
         <a:p>
-          <a:pPr marL="0" lvl="0" indent="0" algn="ctr" defTabSz="1155700">
+          <a:pPr marL="0" lvl="0" indent="0" algn="ctr" defTabSz="1066800">
             <a:lnSpc>
               <a:spcPct val="90000"/>
             </a:lnSpc>
@@ -3162,21 +3162,21 @@
             <a:buNone/>
           </a:pPr>
           <a:r>
-            <a:rPr kumimoji="1" lang="ja-JP" altLang="en-US" sz="2600" kern="1200" dirty="0"/>
+            <a:rPr kumimoji="1" lang="ja-JP" altLang="en-US" sz="2400" kern="1200" dirty="0"/>
             <a:t>連続</a:t>
           </a:r>
           <a:br>
-            <a:rPr kumimoji="1" lang="en-US" altLang="ja-JP" sz="2600" kern="1200" dirty="0"/>
+            <a:rPr kumimoji="1" lang="en-US" altLang="ja-JP" sz="2400" kern="1200" dirty="0"/>
           </a:br>
           <a:r>
-            <a:rPr kumimoji="1" lang="ja-JP" altLang="en-US" sz="2600" kern="1200" dirty="0"/>
+            <a:rPr kumimoji="1" lang="ja-JP" altLang="en-US" sz="2400" kern="1200" dirty="0"/>
             <a:t>確率分布</a:t>
           </a:r>
         </a:p>
       </dsp:txBody>
       <dsp:txXfrm>
-        <a:off x="2489014" y="3442034"/>
-        <a:ext cx="1705798" cy="827165"/>
+        <a:off x="2302717" y="3143671"/>
+        <a:ext cx="1578466" cy="765420"/>
       </dsp:txXfrm>
     </dsp:sp>
     <dsp:sp modelId="{5B6ABF04-B586-4D32-BFCC-C452EEB3CD93}">
@@ -3186,8 +3186,8 @@
       </dsp:nvSpPr>
       <dsp:spPr>
         <a:xfrm>
-          <a:off x="4220546" y="3838720"/>
-          <a:ext cx="702906" cy="33793"/>
+          <a:off x="3904997" y="3509155"/>
+          <a:ext cx="650437" cy="34453"/>
         </a:xfrm>
         <a:custGeom>
           <a:avLst/>
@@ -3198,10 +3198,10 @@
           <a:pathLst>
             <a:path>
               <a:moveTo>
-                <a:pt x="0" y="16896"/>
+                <a:pt x="0" y="17226"/>
               </a:moveTo>
               <a:lnTo>
-                <a:pt x="702906" y="16896"/>
+                <a:pt x="650437" y="17226"/>
               </a:lnTo>
             </a:path>
           </a:pathLst>
@@ -3255,8 +3255,8 @@
         </a:p>
       </dsp:txBody>
       <dsp:txXfrm>
-        <a:off x="4554427" y="3838044"/>
-        <a:ext cx="35145" cy="35145"/>
+        <a:off x="4213955" y="3510120"/>
+        <a:ext cx="32521" cy="32521"/>
       </dsp:txXfrm>
     </dsp:sp>
     <dsp:sp modelId="{25768EA5-9AA5-4263-8D6B-7760AAB55284}">
@@ -3266,8 +3266,8 @@
       </dsp:nvSpPr>
       <dsp:spPr>
         <a:xfrm>
-          <a:off x="4923453" y="3416300"/>
-          <a:ext cx="1757266" cy="878633"/>
+          <a:off x="4555434" y="3119858"/>
+          <a:ext cx="1626092" cy="813046"/>
         </a:xfrm>
         <a:prstGeom prst="roundRect">
           <a:avLst>
@@ -3307,12 +3307,12 @@
         </a:fontRef>
       </dsp:style>
       <dsp:txBody>
-        <a:bodyPr spcFirstLastPara="0" vert="horz" wrap="square" lIns="16510" tIns="16510" rIns="16510" bIns="16510" numCol="1" spcCol="1270" anchor="ctr" anchorCtr="0">
+        <a:bodyPr spcFirstLastPara="0" vert="horz" wrap="square" lIns="15240" tIns="15240" rIns="15240" bIns="15240" numCol="1" spcCol="1270" anchor="ctr" anchorCtr="0">
           <a:noAutofit/>
         </a:bodyPr>
         <a:lstStyle/>
         <a:p>
-          <a:pPr marL="0" lvl="0" indent="0" algn="ctr" defTabSz="1155700">
+          <a:pPr marL="0" lvl="0" indent="0" algn="ctr" defTabSz="1066800">
             <a:lnSpc>
               <a:spcPct val="90000"/>
             </a:lnSpc>
@@ -3325,14 +3325,14 @@
             <a:buNone/>
           </a:pPr>
           <a:r>
-            <a:rPr kumimoji="1" lang="ja-JP" altLang="en-US" sz="2600" kern="1200" dirty="0"/>
+            <a:rPr kumimoji="1" lang="ja-JP" altLang="en-US" sz="2400" kern="1200" dirty="0"/>
             <a:t>次回紹介</a:t>
           </a:r>
         </a:p>
       </dsp:txBody>
       <dsp:txXfrm>
-        <a:off x="4949187" y="3442034"/>
-        <a:ext cx="1705798" cy="827165"/>
+        <a:off x="4579247" y="3143671"/>
+        <a:ext cx="1578466" cy="765420"/>
       </dsp:txXfrm>
     </dsp:sp>
   </dsp:spTree>
@@ -4775,7 +4775,7 @@
           <a:p>
             <a:fld id="{1895A64F-7672-4A38-B12D-41B8FA3C90DE}" type="datetimeFigureOut">
               <a:rPr kumimoji="1" lang="ja-JP" altLang="en-US" smtClean="0"/>
-              <a:t>2021/10/20</a:t>
+              <a:t>2023/8/24</a:t>
             </a:fld>
             <a:endParaRPr kumimoji="1" lang="ja-JP" altLang="en-US"/>
           </a:p>
@@ -9676,8 +9676,8 @@
           </a:p>
         </p:txBody>
       </p:sp>
-      <mc:AlternateContent xmlns:mc="http://schemas.openxmlformats.org/markup-compatibility/2006" xmlns:a14="http://schemas.microsoft.com/office/drawing/2010/main">
-        <mc:Choice Requires="a14">
+      <mc:AlternateContent xmlns:mc="http://schemas.openxmlformats.org/markup-compatibility/2006">
+        <mc:Choice xmlns:a14="http://schemas.microsoft.com/office/drawing/2010/main" Requires="a14">
           <p:sp>
             <p:nvSpPr>
               <p:cNvPr id="3" name="コンテンツ プレースホルダー 2"/>
@@ -10397,7 +10397,7 @@
             </p:txBody>
           </p:sp>
         </mc:Choice>
-        <mc:Fallback xmlns="">
+        <mc:Fallback>
           <p:sp>
             <p:nvSpPr>
               <p:cNvPr id="3" name="コンテンツ プレースホルダー 2"/>
@@ -10413,10 +10413,10 @@
                 <a:off x="0" y="2132856"/>
                 <a:ext cx="9144000" cy="4392488"/>
               </a:xfrm>
-              <a:blipFill rotWithShape="1">
+              <a:blipFill>
                 <a:blip r:embed="rId2"/>
                 <a:stretch>
-                  <a:fillRect l="-1333" t="-3472"/>
+                  <a:fillRect l="-1528" t="-3468"/>
                 </a:stretch>
               </a:blipFill>
             </p:spPr>
@@ -10425,7 +10425,7 @@
               <a:lstStyle/>
               <a:p>
                 <a:r>
-                  <a:rPr lang="ja-JP" altLang="en-US">
+                  <a:rPr lang="en-JP">
                     <a:noFill/>
                   </a:rPr>
                   <a:t> </a:t>
@@ -10765,8 +10765,8 @@
           </a:p>
         </p:txBody>
       </p:sp>
-      <mc:AlternateContent xmlns:mc="http://schemas.openxmlformats.org/markup-compatibility/2006" xmlns:a14="http://schemas.microsoft.com/office/drawing/2010/main">
-        <mc:Choice Requires="a14">
+      <mc:AlternateContent xmlns:mc="http://schemas.openxmlformats.org/markup-compatibility/2006">
+        <mc:Choice xmlns:a14="http://schemas.microsoft.com/office/drawing/2010/main" Requires="a14">
           <p:sp>
             <p:nvSpPr>
               <p:cNvPr id="3" name="コンテンツ プレースホルダー 2"/>
@@ -11486,7 +11486,7 @@
             </p:txBody>
           </p:sp>
         </mc:Choice>
-        <mc:Fallback xmlns="">
+        <mc:Fallback>
           <p:sp>
             <p:nvSpPr>
               <p:cNvPr id="3" name="コンテンツ プレースホルダー 2"/>
@@ -11502,10 +11502,10 @@
                 <a:off x="0" y="2132856"/>
                 <a:ext cx="9144000" cy="4392488"/>
               </a:xfrm>
-              <a:blipFill rotWithShape="1">
+              <a:blipFill>
                 <a:blip r:embed="rId2"/>
                 <a:stretch>
-                  <a:fillRect l="-1333" t="-3472"/>
+                  <a:fillRect l="-1528" t="-3468"/>
                 </a:stretch>
               </a:blipFill>
             </p:spPr>
@@ -11514,7 +11514,7 @@
               <a:lstStyle/>
               <a:p>
                 <a:r>
-                  <a:rPr lang="ja-JP" altLang="en-US">
+                  <a:rPr lang="en-JP">
                     <a:noFill/>
                   </a:rPr>
                   <a:t> </a:t>
@@ -11854,8 +11854,8 @@
           </a:p>
         </p:txBody>
       </p:sp>
-      <mc:AlternateContent xmlns:mc="http://schemas.openxmlformats.org/markup-compatibility/2006" xmlns:a14="http://schemas.microsoft.com/office/drawing/2010/main">
-        <mc:Choice Requires="a14">
+      <mc:AlternateContent xmlns:mc="http://schemas.openxmlformats.org/markup-compatibility/2006">
+        <mc:Choice xmlns:a14="http://schemas.microsoft.com/office/drawing/2010/main" Requires="a14">
           <p:sp>
             <p:nvSpPr>
               <p:cNvPr id="3" name="コンテンツ プレースホルダー 2"/>
@@ -12575,7 +12575,7 @@
             </p:txBody>
           </p:sp>
         </mc:Choice>
-        <mc:Fallback xmlns="">
+        <mc:Fallback>
           <p:sp>
             <p:nvSpPr>
               <p:cNvPr id="3" name="コンテンツ プレースホルダー 2"/>
@@ -12591,10 +12591,10 @@
                 <a:off x="0" y="2132856"/>
                 <a:ext cx="9144000" cy="4392488"/>
               </a:xfrm>
-              <a:blipFill rotWithShape="1">
+              <a:blipFill>
                 <a:blip r:embed="rId2"/>
                 <a:stretch>
-                  <a:fillRect l="-1333" t="-3472"/>
+                  <a:fillRect l="-1528" t="-3468"/>
                 </a:stretch>
               </a:blipFill>
             </p:spPr>
@@ -12603,7 +12603,7 @@
               <a:lstStyle/>
               <a:p>
                 <a:r>
-                  <a:rPr lang="ja-JP" altLang="en-US">
+                  <a:rPr lang="en-JP">
                     <a:noFill/>
                   </a:rPr>
                   <a:t> </a:t>
@@ -16030,8 +16030,8 @@
           </a:p>
         </p:txBody>
       </p:sp>
-      <mc:AlternateContent xmlns:mc="http://schemas.openxmlformats.org/markup-compatibility/2006">
-        <mc:Choice xmlns:a14="http://schemas.microsoft.com/office/drawing/2010/main" Requires="a14">
+      <mc:AlternateContent xmlns:mc="http://schemas.openxmlformats.org/markup-compatibility/2006" xmlns:a14="http://schemas.microsoft.com/office/drawing/2010/main">
+        <mc:Choice Requires="a14">
           <p:sp>
             <p:nvSpPr>
               <p:cNvPr id="3" name="コンテンツ プレースホルダー 2"/>
@@ -16191,7 +16191,7 @@
             </p:txBody>
           </p:sp>
         </mc:Choice>
-        <mc:Fallback>
+        <mc:Fallback xmlns="">
           <p:sp>
             <p:nvSpPr>
               <p:cNvPr id="3" name="コンテンツ プレースホルダー 2"/>
@@ -20701,14 +20701,14 @@
             <p:ph idx="1"/>
             <p:extLst>
               <p:ext uri="{D42A27DB-BD31-4B8C-83A1-F6EECF244321}">
-                <p14:modId xmlns:p14="http://schemas.microsoft.com/office/powerpoint/2010/main" val="2370243099"/>
+                <p14:modId xmlns:p14="http://schemas.microsoft.com/office/powerpoint/2010/main" val="3870713596"/>
               </p:ext>
             </p:extLst>
           </p:nvPr>
         </p:nvGraphicFramePr>
         <p:xfrm>
-          <a:off x="0" y="1844675"/>
-          <a:ext cx="9144000" cy="4679950"/>
+          <a:off x="341784" y="1628800"/>
+          <a:ext cx="8460432" cy="4247753"/>
         </p:xfrm>
         <a:graphic>
           <a:graphicData uri="http://schemas.openxmlformats.org/drawingml/2006/diagram">

--- a/archive/2022年度　統計学関連/04_ch4_確率分布/統計学_ch4_1.pptx
+++ b/archive/2022年度　統計学関連/04_ch4_確率分布/統計学_ch4_1.pptx
@@ -4775,7 +4775,7 @@
           <a:p>
             <a:fld id="{1895A64F-7672-4A38-B12D-41B8FA3C90DE}" type="datetimeFigureOut">
               <a:rPr kumimoji="1" lang="ja-JP" altLang="en-US" smtClean="0"/>
-              <a:t>2023/8/24</a:t>
+              <a:t>2023/8/28</a:t>
             </a:fld>
             <a:endParaRPr kumimoji="1" lang="ja-JP" altLang="en-US"/>
           </a:p>
@@ -9018,35 +9018,6 @@
           </a:p>
         </p:txBody>
       </p:sp>
-      <p:sp>
-        <p:nvSpPr>
-          <p:cNvPr id="7" name="スライド番号プレースホルダー 6">
-            <a:extLst>
-              <a:ext uri="{FF2B5EF4-FFF2-40B4-BE49-F238E27FC236}">
-                <a16:creationId xmlns:a16="http://schemas.microsoft.com/office/drawing/2014/main" id="{DB73360B-BD88-43A9-B5D8-0A5EFD48EBCF}"/>
-              </a:ext>
-            </a:extLst>
-          </p:cNvPr>
-          <p:cNvSpPr>
-            <a:spLocks noGrp="1"/>
-          </p:cNvSpPr>
-          <p:nvPr>
-            <p:ph type="sldNum" sz="quarter" idx="12"/>
-          </p:nvPr>
-        </p:nvSpPr>
-        <p:spPr/>
-        <p:txBody>
-          <a:bodyPr/>
-          <a:lstStyle/>
-          <a:p>
-            <a:fld id="{83E4BC44-1CD2-4666-A5F4-A286043144FC}" type="slidenum">
-              <a:rPr kumimoji="1" lang="ja-JP" altLang="en-US" smtClean="0"/>
-              <a:t>10</a:t>
-            </a:fld>
-            <a:endParaRPr kumimoji="1" lang="ja-JP" altLang="en-US"/>
-          </a:p>
-        </p:txBody>
-      </p:sp>
     </p:spTree>
     <p:extLst>
       <p:ext uri="{BB962C8B-B14F-4D97-AF65-F5344CB8AC3E}">
@@ -9594,35 +9565,6 @@
           </a:p>
         </p:txBody>
       </p:sp>
-      <p:sp>
-        <p:nvSpPr>
-          <p:cNvPr id="7" name="スライド番号プレースホルダー 6">
-            <a:extLst>
-              <a:ext uri="{FF2B5EF4-FFF2-40B4-BE49-F238E27FC236}">
-                <a16:creationId xmlns:a16="http://schemas.microsoft.com/office/drawing/2014/main" id="{5376B050-91EB-404E-A5CA-012274582197}"/>
-              </a:ext>
-            </a:extLst>
-          </p:cNvPr>
-          <p:cNvSpPr>
-            <a:spLocks noGrp="1"/>
-          </p:cNvSpPr>
-          <p:nvPr>
-            <p:ph type="sldNum" sz="quarter" idx="12"/>
-          </p:nvPr>
-        </p:nvSpPr>
-        <p:spPr/>
-        <p:txBody>
-          <a:bodyPr/>
-          <a:lstStyle/>
-          <a:p>
-            <a:fld id="{83E4BC44-1CD2-4666-A5F4-A286043144FC}" type="slidenum">
-              <a:rPr kumimoji="1" lang="ja-JP" altLang="en-US" smtClean="0"/>
-              <a:t>11</a:t>
-            </a:fld>
-            <a:endParaRPr kumimoji="1" lang="ja-JP" altLang="en-US"/>
-          </a:p>
-        </p:txBody>
-      </p:sp>
     </p:spTree>
     <p:extLst>
       <p:ext uri="{BB962C8B-B14F-4D97-AF65-F5344CB8AC3E}">
@@ -9676,8 +9618,8 @@
           </a:p>
         </p:txBody>
       </p:sp>
-      <mc:AlternateContent xmlns:mc="http://schemas.openxmlformats.org/markup-compatibility/2006">
-        <mc:Choice xmlns:a14="http://schemas.microsoft.com/office/drawing/2010/main" Requires="a14">
+      <mc:AlternateContent xmlns:mc="http://schemas.openxmlformats.org/markup-compatibility/2006" xmlns:a14="http://schemas.microsoft.com/office/drawing/2010/main">
+        <mc:Choice Requires="a14">
           <p:sp>
             <p:nvSpPr>
               <p:cNvPr id="3" name="コンテンツ プレースホルダー 2"/>
@@ -10397,7 +10339,7 @@
             </p:txBody>
           </p:sp>
         </mc:Choice>
-        <mc:Fallback>
+        <mc:Fallback xmlns="">
           <p:sp>
             <p:nvSpPr>
               <p:cNvPr id="3" name="コンテンツ プレースホルダー 2"/>
@@ -10683,35 +10625,6 @@
           </p:sp>
         </mc:Fallback>
       </mc:AlternateContent>
-      <p:sp>
-        <p:nvSpPr>
-          <p:cNvPr id="7" name="スライド番号プレースホルダー 6">
-            <a:extLst>
-              <a:ext uri="{FF2B5EF4-FFF2-40B4-BE49-F238E27FC236}">
-                <a16:creationId xmlns:a16="http://schemas.microsoft.com/office/drawing/2014/main" id="{B3F1DD88-C4F6-4422-AAD4-EED99C068FBF}"/>
-              </a:ext>
-            </a:extLst>
-          </p:cNvPr>
-          <p:cNvSpPr>
-            <a:spLocks noGrp="1"/>
-          </p:cNvSpPr>
-          <p:nvPr>
-            <p:ph type="sldNum" sz="quarter" idx="12"/>
-          </p:nvPr>
-        </p:nvSpPr>
-        <p:spPr/>
-        <p:txBody>
-          <a:bodyPr/>
-          <a:lstStyle/>
-          <a:p>
-            <a:fld id="{83E4BC44-1CD2-4666-A5F4-A286043144FC}" type="slidenum">
-              <a:rPr kumimoji="1" lang="ja-JP" altLang="en-US" smtClean="0"/>
-              <a:t>12</a:t>
-            </a:fld>
-            <a:endParaRPr kumimoji="1" lang="ja-JP" altLang="en-US"/>
-          </a:p>
-        </p:txBody>
-      </p:sp>
     </p:spTree>
     <p:extLst>
       <p:ext uri="{BB962C8B-B14F-4D97-AF65-F5344CB8AC3E}">
@@ -10765,8 +10678,8 @@
           </a:p>
         </p:txBody>
       </p:sp>
-      <mc:AlternateContent xmlns:mc="http://schemas.openxmlformats.org/markup-compatibility/2006">
-        <mc:Choice xmlns:a14="http://schemas.microsoft.com/office/drawing/2010/main" Requires="a14">
+      <mc:AlternateContent xmlns:mc="http://schemas.openxmlformats.org/markup-compatibility/2006" xmlns:a14="http://schemas.microsoft.com/office/drawing/2010/main">
+        <mc:Choice Requires="a14">
           <p:sp>
             <p:nvSpPr>
               <p:cNvPr id="3" name="コンテンツ プレースホルダー 2"/>
@@ -11486,7 +11399,7 @@
             </p:txBody>
           </p:sp>
         </mc:Choice>
-        <mc:Fallback>
+        <mc:Fallback xmlns="">
           <p:sp>
             <p:nvSpPr>
               <p:cNvPr id="3" name="コンテンツ プレースホルダー 2"/>
@@ -11772,35 +11685,6 @@
           </p:sp>
         </mc:Fallback>
       </mc:AlternateContent>
-      <p:sp>
-        <p:nvSpPr>
-          <p:cNvPr id="7" name="スライド番号プレースホルダー 6">
-            <a:extLst>
-              <a:ext uri="{FF2B5EF4-FFF2-40B4-BE49-F238E27FC236}">
-                <a16:creationId xmlns:a16="http://schemas.microsoft.com/office/drawing/2014/main" id="{AF48F418-C973-4790-A13D-3272D761FEC4}"/>
-              </a:ext>
-            </a:extLst>
-          </p:cNvPr>
-          <p:cNvSpPr>
-            <a:spLocks noGrp="1"/>
-          </p:cNvSpPr>
-          <p:nvPr>
-            <p:ph type="sldNum" sz="quarter" idx="12"/>
-          </p:nvPr>
-        </p:nvSpPr>
-        <p:spPr/>
-        <p:txBody>
-          <a:bodyPr/>
-          <a:lstStyle/>
-          <a:p>
-            <a:fld id="{83E4BC44-1CD2-4666-A5F4-A286043144FC}" type="slidenum">
-              <a:rPr kumimoji="1" lang="ja-JP" altLang="en-US" smtClean="0"/>
-              <a:t>13</a:t>
-            </a:fld>
-            <a:endParaRPr kumimoji="1" lang="ja-JP" altLang="en-US"/>
-          </a:p>
-        </p:txBody>
-      </p:sp>
     </p:spTree>
     <p:extLst>
       <p:ext uri="{BB962C8B-B14F-4D97-AF65-F5344CB8AC3E}">
@@ -11854,8 +11738,8 @@
           </a:p>
         </p:txBody>
       </p:sp>
-      <mc:AlternateContent xmlns:mc="http://schemas.openxmlformats.org/markup-compatibility/2006">
-        <mc:Choice xmlns:a14="http://schemas.microsoft.com/office/drawing/2010/main" Requires="a14">
+      <mc:AlternateContent xmlns:mc="http://schemas.openxmlformats.org/markup-compatibility/2006" xmlns:a14="http://schemas.microsoft.com/office/drawing/2010/main">
+        <mc:Choice Requires="a14">
           <p:sp>
             <p:nvSpPr>
               <p:cNvPr id="3" name="コンテンツ プレースホルダー 2"/>
@@ -12575,7 +12459,7 @@
             </p:txBody>
           </p:sp>
         </mc:Choice>
-        <mc:Fallback>
+        <mc:Fallback xmlns="">
           <p:sp>
             <p:nvSpPr>
               <p:cNvPr id="3" name="コンテンツ プレースホルダー 2"/>
@@ -12861,35 +12745,6 @@
           </p:sp>
         </mc:Fallback>
       </mc:AlternateContent>
-      <p:sp>
-        <p:nvSpPr>
-          <p:cNvPr id="7" name="スライド番号プレースホルダー 6">
-            <a:extLst>
-              <a:ext uri="{FF2B5EF4-FFF2-40B4-BE49-F238E27FC236}">
-                <a16:creationId xmlns:a16="http://schemas.microsoft.com/office/drawing/2014/main" id="{30CCA7B6-AAE8-4DFE-9809-71C1B15CF4DE}"/>
-              </a:ext>
-            </a:extLst>
-          </p:cNvPr>
-          <p:cNvSpPr>
-            <a:spLocks noGrp="1"/>
-          </p:cNvSpPr>
-          <p:nvPr>
-            <p:ph type="sldNum" sz="quarter" idx="12"/>
-          </p:nvPr>
-        </p:nvSpPr>
-        <p:spPr/>
-        <p:txBody>
-          <a:bodyPr/>
-          <a:lstStyle/>
-          <a:p>
-            <a:fld id="{83E4BC44-1CD2-4666-A5F4-A286043144FC}" type="slidenum">
-              <a:rPr kumimoji="1" lang="ja-JP" altLang="en-US" smtClean="0"/>
-              <a:t>14</a:t>
-            </a:fld>
-            <a:endParaRPr kumimoji="1" lang="ja-JP" altLang="en-US"/>
-          </a:p>
-        </p:txBody>
-      </p:sp>
     </p:spTree>
     <p:extLst>
       <p:ext uri="{BB962C8B-B14F-4D97-AF65-F5344CB8AC3E}">
@@ -13609,35 +13464,6 @@
               <a:rPr lang="ja-JP" altLang="en-US" dirty="0"/>
               <a:t>とする</a:t>
             </a:r>
-          </a:p>
-        </p:txBody>
-      </p:sp>
-      <p:sp>
-        <p:nvSpPr>
-          <p:cNvPr id="7" name="スライド番号プレースホルダー 6">
-            <a:extLst>
-              <a:ext uri="{FF2B5EF4-FFF2-40B4-BE49-F238E27FC236}">
-                <a16:creationId xmlns:a16="http://schemas.microsoft.com/office/drawing/2014/main" id="{4FF5FA88-6A03-4706-8069-DDEF8A557978}"/>
-              </a:ext>
-            </a:extLst>
-          </p:cNvPr>
-          <p:cNvSpPr>
-            <a:spLocks noGrp="1"/>
-          </p:cNvSpPr>
-          <p:nvPr>
-            <p:ph type="sldNum" sz="quarter" idx="12"/>
-          </p:nvPr>
-        </p:nvSpPr>
-        <p:spPr/>
-        <p:txBody>
-          <a:bodyPr/>
-          <a:lstStyle/>
-          <a:p>
-            <a:fld id="{83E4BC44-1CD2-4666-A5F4-A286043144FC}" type="slidenum">
-              <a:rPr kumimoji="1" lang="ja-JP" altLang="en-US" smtClean="0"/>
-              <a:t>15</a:t>
-            </a:fld>
-            <a:endParaRPr kumimoji="1" lang="ja-JP" altLang="en-US"/>
           </a:p>
         </p:txBody>
       </p:sp>
@@ -15127,35 +14953,6 @@
           </a:p>
         </p:txBody>
       </p:sp>
-      <p:sp>
-        <p:nvSpPr>
-          <p:cNvPr id="7" name="スライド番号プレースホルダー 6">
-            <a:extLst>
-              <a:ext uri="{FF2B5EF4-FFF2-40B4-BE49-F238E27FC236}">
-                <a16:creationId xmlns:a16="http://schemas.microsoft.com/office/drawing/2014/main" id="{C43BB9A4-1BB9-4BAF-B830-50A35D2398BE}"/>
-              </a:ext>
-            </a:extLst>
-          </p:cNvPr>
-          <p:cNvSpPr>
-            <a:spLocks noGrp="1"/>
-          </p:cNvSpPr>
-          <p:nvPr>
-            <p:ph type="sldNum" sz="quarter" idx="12"/>
-          </p:nvPr>
-        </p:nvSpPr>
-        <p:spPr/>
-        <p:txBody>
-          <a:bodyPr/>
-          <a:lstStyle/>
-          <a:p>
-            <a:fld id="{83E4BC44-1CD2-4666-A5F4-A286043144FC}" type="slidenum">
-              <a:rPr kumimoji="1" lang="ja-JP" altLang="en-US" smtClean="0"/>
-              <a:t>19</a:t>
-            </a:fld>
-            <a:endParaRPr kumimoji="1" lang="ja-JP" altLang="en-US"/>
-          </a:p>
-        </p:txBody>
-      </p:sp>
     </p:spTree>
     <p:extLst>
       <p:ext uri="{BB962C8B-B14F-4D97-AF65-F5344CB8AC3E}">
@@ -15868,35 +15665,6 @@
           </a:p>
         </p:txBody>
       </p:sp>
-      <p:sp>
-        <p:nvSpPr>
-          <p:cNvPr id="3" name="スライド番号プレースホルダー 2">
-            <a:extLst>
-              <a:ext uri="{FF2B5EF4-FFF2-40B4-BE49-F238E27FC236}">
-                <a16:creationId xmlns:a16="http://schemas.microsoft.com/office/drawing/2014/main" id="{4952A5BD-25D5-448F-B54B-55C0E21FAF17}"/>
-              </a:ext>
-            </a:extLst>
-          </p:cNvPr>
-          <p:cNvSpPr>
-            <a:spLocks noGrp="1"/>
-          </p:cNvSpPr>
-          <p:nvPr>
-            <p:ph type="sldNum" sz="quarter" idx="12"/>
-          </p:nvPr>
-        </p:nvSpPr>
-        <p:spPr/>
-        <p:txBody>
-          <a:bodyPr/>
-          <a:lstStyle/>
-          <a:p>
-            <a:fld id="{83E4BC44-1CD2-4666-A5F4-A286043144FC}" type="slidenum">
-              <a:rPr kumimoji="1" lang="ja-JP" altLang="en-US" smtClean="0"/>
-              <a:t>20</a:t>
-            </a:fld>
-            <a:endParaRPr kumimoji="1" lang="ja-JP" altLang="en-US"/>
-          </a:p>
-        </p:txBody>
-      </p:sp>
     </p:spTree>
     <p:extLst>
       <p:ext uri="{BB962C8B-B14F-4D97-AF65-F5344CB8AC3E}">
@@ -16229,35 +15997,6 @@
           </p:sp>
         </mc:Fallback>
       </mc:AlternateContent>
-      <p:sp>
-        <p:nvSpPr>
-          <p:cNvPr id="6" name="スライド番号プレースホルダー 5">
-            <a:extLst>
-              <a:ext uri="{FF2B5EF4-FFF2-40B4-BE49-F238E27FC236}">
-                <a16:creationId xmlns:a16="http://schemas.microsoft.com/office/drawing/2014/main" id="{E885FE0F-FEF5-4642-8DAD-A032A41A6FA4}"/>
-              </a:ext>
-            </a:extLst>
-          </p:cNvPr>
-          <p:cNvSpPr>
-            <a:spLocks noGrp="1"/>
-          </p:cNvSpPr>
-          <p:nvPr>
-            <p:ph type="sldNum" sz="quarter" idx="12"/>
-          </p:nvPr>
-        </p:nvSpPr>
-        <p:spPr/>
-        <p:txBody>
-          <a:bodyPr/>
-          <a:lstStyle/>
-          <a:p>
-            <a:fld id="{83E4BC44-1CD2-4666-A5F4-A286043144FC}" type="slidenum">
-              <a:rPr kumimoji="1" lang="ja-JP" altLang="en-US" smtClean="0"/>
-              <a:t>22</a:t>
-            </a:fld>
-            <a:endParaRPr kumimoji="1" lang="ja-JP" altLang="en-US"/>
-          </a:p>
-        </p:txBody>
-      </p:sp>
       <p:sp>
         <p:nvSpPr>
           <p:cNvPr id="4" name="正方形/長方形 3">
@@ -17062,35 +16801,6 @@
           </a:p>
         </p:txBody>
       </p:sp>
-      <p:sp>
-        <p:nvSpPr>
-          <p:cNvPr id="7" name="スライド番号プレースホルダー 6">
-            <a:extLst>
-              <a:ext uri="{FF2B5EF4-FFF2-40B4-BE49-F238E27FC236}">
-                <a16:creationId xmlns:a16="http://schemas.microsoft.com/office/drawing/2014/main" id="{DA4C1972-AC53-44F9-8022-B2FB61A7170B}"/>
-              </a:ext>
-            </a:extLst>
-          </p:cNvPr>
-          <p:cNvSpPr>
-            <a:spLocks noGrp="1"/>
-          </p:cNvSpPr>
-          <p:nvPr>
-            <p:ph type="sldNum" sz="quarter" idx="12"/>
-          </p:nvPr>
-        </p:nvSpPr>
-        <p:spPr/>
-        <p:txBody>
-          <a:bodyPr/>
-          <a:lstStyle/>
-          <a:p>
-            <a:fld id="{83E4BC44-1CD2-4666-A5F4-A286043144FC}" type="slidenum">
-              <a:rPr kumimoji="1" lang="ja-JP" altLang="en-US" smtClean="0"/>
-              <a:t>23</a:t>
-            </a:fld>
-            <a:endParaRPr kumimoji="1" lang="ja-JP" altLang="en-US"/>
-          </a:p>
-        </p:txBody>
-      </p:sp>
     </p:spTree>
     <p:extLst>
       <p:ext uri="{BB962C8B-B14F-4D97-AF65-F5344CB8AC3E}">
@@ -17763,35 +17473,6 @@
               <a:t>球は色以外では区別がつかず、壺の中は見えない。</a:t>
             </a:r>
             <a:endParaRPr kumimoji="1" lang="ja-JP" altLang="en-US" sz="1800" dirty="0"/>
-          </a:p>
-        </p:txBody>
-      </p:sp>
-      <p:sp>
-        <p:nvSpPr>
-          <p:cNvPr id="7" name="スライド番号プレースホルダー 6">
-            <a:extLst>
-              <a:ext uri="{FF2B5EF4-FFF2-40B4-BE49-F238E27FC236}">
-                <a16:creationId xmlns:a16="http://schemas.microsoft.com/office/drawing/2014/main" id="{42D43A2A-EC64-4399-B6C4-E2BE19343997}"/>
-              </a:ext>
-            </a:extLst>
-          </p:cNvPr>
-          <p:cNvSpPr>
-            <a:spLocks noGrp="1"/>
-          </p:cNvSpPr>
-          <p:nvPr>
-            <p:ph type="sldNum" sz="quarter" idx="12"/>
-          </p:nvPr>
-        </p:nvSpPr>
-        <p:spPr/>
-        <p:txBody>
-          <a:bodyPr/>
-          <a:lstStyle/>
-          <a:p>
-            <a:fld id="{83E4BC44-1CD2-4666-A5F4-A286043144FC}" type="slidenum">
-              <a:rPr kumimoji="1" lang="ja-JP" altLang="en-US" smtClean="0"/>
-              <a:t>24</a:t>
-            </a:fld>
-            <a:endParaRPr kumimoji="1" lang="ja-JP" altLang="en-US"/>
           </a:p>
         </p:txBody>
       </p:sp>
@@ -18649,35 +18330,6 @@
           </a:p>
         </p:txBody>
       </p:sp>
-      <p:sp>
-        <p:nvSpPr>
-          <p:cNvPr id="7" name="スライド番号プレースホルダー 6">
-            <a:extLst>
-              <a:ext uri="{FF2B5EF4-FFF2-40B4-BE49-F238E27FC236}">
-                <a16:creationId xmlns:a16="http://schemas.microsoft.com/office/drawing/2014/main" id="{BB8881A1-EE88-4829-ADE3-41581CA9430C}"/>
-              </a:ext>
-            </a:extLst>
-          </p:cNvPr>
-          <p:cNvSpPr>
-            <a:spLocks noGrp="1"/>
-          </p:cNvSpPr>
-          <p:nvPr>
-            <p:ph type="sldNum" sz="quarter" idx="12"/>
-          </p:nvPr>
-        </p:nvSpPr>
-        <p:spPr/>
-        <p:txBody>
-          <a:bodyPr/>
-          <a:lstStyle/>
-          <a:p>
-            <a:fld id="{83E4BC44-1CD2-4666-A5F4-A286043144FC}" type="slidenum">
-              <a:rPr kumimoji="1" lang="ja-JP" altLang="en-US" smtClean="0"/>
-              <a:t>25</a:t>
-            </a:fld>
-            <a:endParaRPr kumimoji="1" lang="ja-JP" altLang="en-US"/>
-          </a:p>
-        </p:txBody>
-      </p:sp>
     </p:spTree>
     <p:extLst>
       <p:ext uri="{BB962C8B-B14F-4D97-AF65-F5344CB8AC3E}">
@@ -19532,35 +19184,6 @@
           </a:p>
         </p:txBody>
       </p:sp>
-      <p:sp>
-        <p:nvSpPr>
-          <p:cNvPr id="7" name="スライド番号プレースホルダー 6">
-            <a:extLst>
-              <a:ext uri="{FF2B5EF4-FFF2-40B4-BE49-F238E27FC236}">
-                <a16:creationId xmlns:a16="http://schemas.microsoft.com/office/drawing/2014/main" id="{B21D6A09-542C-49E6-A0D5-F7542F071F56}"/>
-              </a:ext>
-            </a:extLst>
-          </p:cNvPr>
-          <p:cNvSpPr>
-            <a:spLocks noGrp="1"/>
-          </p:cNvSpPr>
-          <p:nvPr>
-            <p:ph type="sldNum" sz="quarter" idx="12"/>
-          </p:nvPr>
-        </p:nvSpPr>
-        <p:spPr/>
-        <p:txBody>
-          <a:bodyPr/>
-          <a:lstStyle/>
-          <a:p>
-            <a:fld id="{83E4BC44-1CD2-4666-A5F4-A286043144FC}" type="slidenum">
-              <a:rPr kumimoji="1" lang="ja-JP" altLang="en-US" smtClean="0"/>
-              <a:t>26</a:t>
-            </a:fld>
-            <a:endParaRPr kumimoji="1" lang="ja-JP" altLang="en-US"/>
-          </a:p>
-        </p:txBody>
-      </p:sp>
     </p:spTree>
     <p:extLst>
       <p:ext uri="{BB962C8B-B14F-4D97-AF65-F5344CB8AC3E}">
@@ -19670,35 +19293,6 @@
               <a:rPr kumimoji="1" lang="ja-JP" altLang="en-US" sz="1800" dirty="0"/>
               <a:t>桁程度）</a:t>
             </a:r>
-          </a:p>
-        </p:txBody>
-      </p:sp>
-      <p:sp>
-        <p:nvSpPr>
-          <p:cNvPr id="3" name="スライド番号プレースホルダー 2">
-            <a:extLst>
-              <a:ext uri="{FF2B5EF4-FFF2-40B4-BE49-F238E27FC236}">
-                <a16:creationId xmlns:a16="http://schemas.microsoft.com/office/drawing/2014/main" id="{1202EE24-99AD-43ED-BFA0-F0F043E6BCFE}"/>
-              </a:ext>
-            </a:extLst>
-          </p:cNvPr>
-          <p:cNvSpPr>
-            <a:spLocks noGrp="1"/>
-          </p:cNvSpPr>
-          <p:nvPr>
-            <p:ph type="sldNum" sz="quarter" idx="12"/>
-          </p:nvPr>
-        </p:nvSpPr>
-        <p:spPr/>
-        <p:txBody>
-          <a:bodyPr/>
-          <a:lstStyle/>
-          <a:p>
-            <a:fld id="{83E4BC44-1CD2-4666-A5F4-A286043144FC}" type="slidenum">
-              <a:rPr kumimoji="1" lang="ja-JP" altLang="en-US" smtClean="0"/>
-              <a:t>27</a:t>
-            </a:fld>
-            <a:endParaRPr kumimoji="1" lang="ja-JP" altLang="en-US"/>
           </a:p>
         </p:txBody>
       </p:sp>
@@ -20376,35 +19970,6 @@
           </a:p>
         </p:txBody>
       </p:sp>
-      <p:sp>
-        <p:nvSpPr>
-          <p:cNvPr id="7" name="スライド番号プレースホルダー 6">
-            <a:extLst>
-              <a:ext uri="{FF2B5EF4-FFF2-40B4-BE49-F238E27FC236}">
-                <a16:creationId xmlns:a16="http://schemas.microsoft.com/office/drawing/2014/main" id="{A8EE1A4C-AA51-47A3-9518-6042651667CC}"/>
-              </a:ext>
-            </a:extLst>
-          </p:cNvPr>
-          <p:cNvSpPr>
-            <a:spLocks noGrp="1"/>
-          </p:cNvSpPr>
-          <p:nvPr>
-            <p:ph type="sldNum" sz="quarter" idx="12"/>
-          </p:nvPr>
-        </p:nvSpPr>
-        <p:spPr/>
-        <p:txBody>
-          <a:bodyPr/>
-          <a:lstStyle/>
-          <a:p>
-            <a:fld id="{83E4BC44-1CD2-4666-A5F4-A286043144FC}" type="slidenum">
-              <a:rPr kumimoji="1" lang="ja-JP" altLang="en-US" smtClean="0"/>
-              <a:t>28</a:t>
-            </a:fld>
-            <a:endParaRPr kumimoji="1" lang="ja-JP" altLang="en-US"/>
-          </a:p>
-        </p:txBody>
-      </p:sp>
     </p:spTree>
     <p:extLst>
       <p:ext uri="{BB962C8B-B14F-4D97-AF65-F5344CB8AC3E}">
@@ -20607,35 +20172,6 @@
               <a:t>多項分布</a:t>
             </a:r>
             <a:endParaRPr kumimoji="1" lang="en-US" altLang="ja-JP" dirty="0"/>
-          </a:p>
-        </p:txBody>
-      </p:sp>
-      <p:sp>
-        <p:nvSpPr>
-          <p:cNvPr id="3" name="スライド番号プレースホルダー 2">
-            <a:extLst>
-              <a:ext uri="{FF2B5EF4-FFF2-40B4-BE49-F238E27FC236}">
-                <a16:creationId xmlns:a16="http://schemas.microsoft.com/office/drawing/2014/main" id="{72F2BF99-A0D0-4CFF-B140-9EF67818663D}"/>
-              </a:ext>
-            </a:extLst>
-          </p:cNvPr>
-          <p:cNvSpPr>
-            <a:spLocks noGrp="1"/>
-          </p:cNvSpPr>
-          <p:nvPr>
-            <p:ph type="sldNum" sz="quarter" idx="12"/>
-          </p:nvPr>
-        </p:nvSpPr>
-        <p:spPr/>
-        <p:txBody>
-          <a:bodyPr/>
-          <a:lstStyle/>
-          <a:p>
-            <a:fld id="{83E4BC44-1CD2-4666-A5F4-A286043144FC}" type="slidenum">
-              <a:rPr kumimoji="1" lang="ja-JP" altLang="en-US" smtClean="0"/>
-              <a:t>29</a:t>
-            </a:fld>
-            <a:endParaRPr kumimoji="1" lang="ja-JP" altLang="en-US"/>
           </a:p>
         </p:txBody>
       </p:sp>
